--- a/Presentation/SMAI Project.pptx
+++ b/Presentation/SMAI Project.pptx
@@ -11294,7 +11294,7 @@
                 <a:cs typeface="Lora"/>
                 <a:sym typeface="Lora"/>
               </a:rPr>
-              <a:t>         Convergence </a:t>
+              <a:t>          Convergence </a:t>
             </a:r>
             <a:endParaRPr sz="3600">
               <a:latin typeface="Lora"/>
@@ -11984,27 +11984,43 @@
                 <a:cs typeface="Lora"/>
                 <a:sym typeface="Lora"/>
               </a:rPr>
+              <a:t>We can </a:t>
+            </a:r>
+            <a:r>
+              <a:rPr lang="en" sz="1800">
+                <a:latin typeface="Lora"/>
+                <a:ea typeface="Lora"/>
+                <a:cs typeface="Lora"/>
+                <a:sym typeface="Lora"/>
+              </a:rPr>
+              <a:t>consider</a:t>
+            </a:r>
+            <a:r>
+              <a:rPr lang="en" sz="1800">
+                <a:latin typeface="Lora"/>
+                <a:ea typeface="Lora"/>
+                <a:cs typeface="Lora"/>
+                <a:sym typeface="Lora"/>
+              </a:rPr>
+              <a:t> more general problem of sparse label proportion </a:t>
+            </a:r>
+            <a:r>
+              <a:rPr lang="en" sz="1800">
+                <a:latin typeface="Lora"/>
+                <a:ea typeface="Lora"/>
+                <a:cs typeface="Lora"/>
+                <a:sym typeface="Lora"/>
+              </a:rPr>
+              <a:t>estimation.</a:t>
+            </a:r>
+            <a:r>
+              <a:rPr lang="en" sz="1800">
+                <a:latin typeface="Lora"/>
+                <a:ea typeface="Lora"/>
+                <a:cs typeface="Lora"/>
+                <a:sym typeface="Lora"/>
+              </a:rPr>
               <a:t> The loss here is defined as KL divergence between target labels and activation of the output of network.</a:t>
-            </a:r>
-            <a:endParaRPr sz="1800">
-              <a:latin typeface="Lora"/>
-              <a:ea typeface="Lora"/>
-              <a:cs typeface="Lora"/>
-              <a:sym typeface="Lora"/>
-            </a:endParaRPr>
-          </a:p>
-          <a:p>
-            <a:pPr indent="0" lvl="0" marL="0" rtl="0">
-              <a:spcBef>
-                <a:spcPts val="0"/>
-              </a:spcBef>
-              <a:spcAft>
-                <a:spcPts val="0"/>
-              </a:spcAft>
-              <a:buNone/>
-            </a:pPr>
-            <a:r>
-              <a:t/>
             </a:r>
             <a:endParaRPr sz="1800">
               <a:latin typeface="Lora"/>
@@ -12219,8 +12235,8 @@
         </p:blipFill>
         <p:spPr>
           <a:xfrm>
-            <a:off x="1824750" y="3025600"/>
-            <a:ext cx="4116425" cy="426100"/>
+            <a:off x="1804100" y="3252500"/>
+            <a:ext cx="3765700" cy="389800"/>
           </a:xfrm>
           <a:prstGeom prst="rect">
             <a:avLst/>
@@ -12247,7 +12263,7 @@
         </p:blipFill>
         <p:spPr>
           <a:xfrm>
-            <a:off x="2577475" y="4111550"/>
+            <a:off x="2433075" y="4111550"/>
             <a:ext cx="2441125" cy="489350"/>
           </a:xfrm>
           <a:prstGeom prst="rect">
@@ -13029,7 +13045,25 @@
                 <a:cs typeface="Lora"/>
                 <a:sym typeface="Lora"/>
               </a:rPr>
-              <a:t>After taking the gradient we will end up with the generalized expression of multiclass loss gradient , which is quite interseting.</a:t>
+              <a:t>After taking the gradient we will end up with the generalized expression of multiclass loss gradient , which is quite </a:t>
+            </a:r>
+            <a:r>
+              <a:rPr lang="en" sz="1800">
+                <a:latin typeface="Lora"/>
+                <a:ea typeface="Lora"/>
+                <a:cs typeface="Lora"/>
+                <a:sym typeface="Lora"/>
+              </a:rPr>
+              <a:t>interesting</a:t>
+            </a:r>
+            <a:r>
+              <a:rPr lang="en" sz="1800">
+                <a:latin typeface="Lora"/>
+                <a:ea typeface="Lora"/>
+                <a:cs typeface="Lora"/>
+                <a:sym typeface="Lora"/>
+              </a:rPr>
+              <a:t>.</a:t>
             </a:r>
             <a:endParaRPr sz="1800">
               <a:latin typeface="Lora"/>
@@ -13226,7 +13260,7 @@
             <a:tbl>
               <a:tblPr>
                 <a:noFill/>
-                <a:tableStyleId>{B11B2A6F-8E47-404B-BE9C-53528643F25B}</a:tableStyleId>
+                <a:tableStyleId>{6D2D11AF-3B08-4548-B0FB-F2E92057B7CD}</a:tableStyleId>
               </a:tblPr>
               <a:tblGrid>
                 <a:gridCol w="1856175"/>
@@ -15038,7 +15072,7 @@
             <a:tbl>
               <a:tblPr>
                 <a:noFill/>
-                <a:tableStyleId>{B11B2A6F-8E47-404B-BE9C-53528643F25B}</a:tableStyleId>
+                <a:tableStyleId>{6D2D11AF-3B08-4548-B0FB-F2E92057B7CD}</a:tableStyleId>
               </a:tblPr>
               <a:tblGrid>
                 <a:gridCol w="2413000"/>
@@ -17694,7 +17728,19 @@
                 <a:cs typeface="Lora"/>
                 <a:sym typeface="Lora"/>
               </a:rPr>
-              <a:t>January 2018</a:t>
+              <a:t>February</a:t>
+            </a:r>
+            <a:r>
+              <a:rPr b="1" lang="en">
+                <a:solidFill>
+                  <a:srgbClr val="F1F0F0"/>
+                </a:solidFill>
+                <a:latin typeface="Lora"/>
+                <a:ea typeface="Lora"/>
+                <a:cs typeface="Lora"/>
+                <a:sym typeface="Lora"/>
+              </a:rPr>
+              <a:t> 2018</a:t>
             </a:r>
             <a:endParaRPr b="1">
               <a:solidFill>
@@ -18497,7 +18543,7 @@
                 <a:cs typeface="Lora"/>
                 <a:sym typeface="Lora"/>
               </a:rPr>
-              <a:t>Sparsemax Activation Function also converts a vector of real weights to a  probability distribution but it outputs sparse distribution i.e it truncates small probabilities to zero. This is very useful in multi-class classification because it returns less number of classes indicating the main classes. It is also useful in attention based neural networks where focus is on the limited network instead of the whole.</a:t>
+              <a:t>Sparsemax Activation Function also converts a vector of real weights to a  probability distribution but it outputs sparse distribution i.e it truncates small probabilities to zero. This is very useful in multi-class classification because it returns less number of classes indicating the main classes. It is also useful in attention based neural networks where focus is on the limited set of data instead of the whole.</a:t>
             </a:r>
             <a:br>
               <a:rPr lang="en" sz="1800"/>
@@ -18615,6 +18661,285 @@
 </file>
 
 <file path=ppt/theme/theme1.xml><?xml version="1.0" encoding="utf-8"?>
+<a:theme xmlns:a="http://schemas.openxmlformats.org/drawingml/2006/main" xmlns:r="http://schemas.openxmlformats.org/officeDocument/2006/relationships">
+  <a:themeElements>
+    <a:clrScheme name="Default">
+      <a:dk1>
+        <a:srgbClr val="000000"/>
+      </a:dk1>
+      <a:lt1>
+        <a:srgbClr val="FFFFFF"/>
+      </a:lt1>
+      <a:dk2>
+        <a:srgbClr val="158158"/>
+      </a:dk2>
+      <a:lt2>
+        <a:srgbClr val="F3F3F3"/>
+      </a:lt2>
+      <a:accent1>
+        <a:srgbClr val="058DC7"/>
+      </a:accent1>
+      <a:accent2>
+        <a:srgbClr val="50B432"/>
+      </a:accent2>
+      <a:accent3>
+        <a:srgbClr val="ED561B"/>
+      </a:accent3>
+      <a:accent4>
+        <a:srgbClr val="EDEF00"/>
+      </a:accent4>
+      <a:accent5>
+        <a:srgbClr val="24CBE5"/>
+      </a:accent5>
+      <a:accent6>
+        <a:srgbClr val="64E572"/>
+      </a:accent6>
+      <a:hlink>
+        <a:srgbClr val="2200CC"/>
+      </a:hlink>
+      <a:folHlink>
+        <a:srgbClr val="551A8B"/>
+      </a:folHlink>
+    </a:clrScheme>
+    <a:fontScheme name="Office">
+      <a:majorFont>
+        <a:latin typeface="Arial"/>
+        <a:ea typeface=""/>
+        <a:cs typeface=""/>
+        <a:font script="Jpan" typeface="ＭＳ Ｐゴシック"/>
+        <a:font script="Hang" typeface="맑은 고딕"/>
+        <a:font script="Hans" typeface="宋体"/>
+        <a:font script="Hant" typeface="新細明體"/>
+        <a:font script="Arab" typeface="Times New Roman"/>
+        <a:font script="Hebr" typeface="Times New Roman"/>
+        <a:font script="Thai" typeface="Angsana New"/>
+        <a:font script="Ethi" typeface="Nyala"/>
+        <a:font script="Beng" typeface="Vrinda"/>
+        <a:font script="Gujr" typeface="Shruti"/>
+        <a:font script="Khmr" typeface="MoolBoran"/>
+        <a:font script="Knda" typeface="Tunga"/>
+        <a:font script="Guru" typeface="Raavi"/>
+        <a:font script="Cans" typeface="Euphemia"/>
+        <a:font script="Cher" typeface="Plantagenet Cherokee"/>
+        <a:font script="Yiii" typeface="Microsoft Yi Baiti"/>
+        <a:font script="Tibt" typeface="Microsoft Himalaya"/>
+        <a:font script="Thaa" typeface="MV Boli"/>
+        <a:font script="Deva" typeface="Mangal"/>
+        <a:font script="Telu" typeface="Gautami"/>
+        <a:font script="Taml" typeface="Latha"/>
+        <a:font script="Syrc" typeface="Estrangelo Edessa"/>
+        <a:font script="Orya" typeface="Kalinga"/>
+        <a:font script="Mlym" typeface="Kartika"/>
+        <a:font script="Laoo" typeface="DokChampa"/>
+        <a:font script="Sinh" typeface="Iskoola Pota"/>
+        <a:font script="Mong" typeface="Mongolian Baiti"/>
+        <a:font script="Viet" typeface="Times New Roman"/>
+        <a:font script="Uigh" typeface="Microsoft Uighur"/>
+        <a:font script="Geor" typeface="Sylfaen"/>
+      </a:majorFont>
+      <a:minorFont>
+        <a:latin typeface="Arial"/>
+        <a:ea typeface=""/>
+        <a:cs typeface=""/>
+        <a:font script="Jpan" typeface="ＭＳ Ｐゴシック"/>
+        <a:font script="Hang" typeface="맑은 고딕"/>
+        <a:font script="Hans" typeface="宋体"/>
+        <a:font script="Hant" typeface="新細明體"/>
+        <a:font script="Arab" typeface="Arial"/>
+        <a:font script="Hebr" typeface="Arial"/>
+        <a:font script="Thai" typeface="Cordia New"/>
+        <a:font script="Ethi" typeface="Nyala"/>
+        <a:font script="Beng" typeface="Vrinda"/>
+        <a:font script="Gujr" typeface="Shruti"/>
+        <a:font script="Khmr" typeface="DaunPenh"/>
+        <a:font script="Knda" typeface="Tunga"/>
+        <a:font script="Guru" typeface="Raavi"/>
+        <a:font script="Cans" typeface="Euphemia"/>
+        <a:font script="Cher" typeface="Plantagenet Cherokee"/>
+        <a:font script="Yiii" typeface="Microsoft Yi Baiti"/>
+        <a:font script="Tibt" typeface="Microsoft Himalaya"/>
+        <a:font script="Thaa" typeface="MV Boli"/>
+        <a:font script="Deva" typeface="Mangal"/>
+        <a:font script="Telu" typeface="Gautami"/>
+        <a:font script="Taml" typeface="Latha"/>
+        <a:font script="Syrc" typeface="Estrangelo Edessa"/>
+        <a:font script="Orya" typeface="Kalinga"/>
+        <a:font script="Mlym" typeface="Kartika"/>
+        <a:font script="Laoo" typeface="DokChampa"/>
+        <a:font script="Sinh" typeface="Iskoola Pota"/>
+        <a:font script="Mong" typeface="Mongolian Baiti"/>
+        <a:font script="Viet" typeface="Arial"/>
+        <a:font script="Uigh" typeface="Microsoft Uighur"/>
+        <a:font script="Geor" typeface="Sylfaen"/>
+      </a:minorFont>
+    </a:fontScheme>
+    <a:fmtScheme name="Office">
+      <a:fillStyleLst>
+        <a:solidFill>
+          <a:schemeClr val="phClr"/>
+        </a:solidFill>
+        <a:gradFill rotWithShape="1">
+          <a:gsLst>
+            <a:gs pos="0">
+              <a:schemeClr val="phClr">
+                <a:tint val="50000"/>
+                <a:satMod val="300000"/>
+              </a:schemeClr>
+            </a:gs>
+            <a:gs pos="35000">
+              <a:schemeClr val="phClr">
+                <a:tint val="37000"/>
+                <a:satMod val="300000"/>
+              </a:schemeClr>
+            </a:gs>
+            <a:gs pos="100000">
+              <a:schemeClr val="phClr">
+                <a:tint val="15000"/>
+                <a:satMod val="350000"/>
+              </a:schemeClr>
+            </a:gs>
+          </a:gsLst>
+          <a:lin ang="16200000" scaled="1"/>
+        </a:gradFill>
+        <a:gradFill rotWithShape="1">
+          <a:gsLst>
+            <a:gs pos="0">
+              <a:schemeClr val="phClr">
+                <a:tint val="100000"/>
+                <a:shade val="100000"/>
+                <a:satMod val="130000"/>
+              </a:schemeClr>
+            </a:gs>
+            <a:gs pos="100000">
+              <a:schemeClr val="phClr">
+                <a:tint val="50000"/>
+                <a:shade val="100000"/>
+                <a:satMod val="350000"/>
+              </a:schemeClr>
+            </a:gs>
+          </a:gsLst>
+          <a:lin ang="16200000" scaled="0"/>
+        </a:gradFill>
+      </a:fillStyleLst>
+      <a:lnStyleLst>
+        <a:ln w="9525" cap="flat" cmpd="sng" algn="ctr">
+          <a:solidFill>
+            <a:schemeClr val="phClr">
+              <a:shade val="95000"/>
+              <a:satMod val="105000"/>
+            </a:schemeClr>
+          </a:solidFill>
+          <a:prstDash val="solid"/>
+        </a:ln>
+        <a:ln w="25400" cap="flat" cmpd="sng" algn="ctr">
+          <a:solidFill>
+            <a:schemeClr val="phClr"/>
+          </a:solidFill>
+          <a:prstDash val="solid"/>
+        </a:ln>
+        <a:ln w="38100" cap="flat" cmpd="sng" algn="ctr">
+          <a:solidFill>
+            <a:schemeClr val="phClr"/>
+          </a:solidFill>
+          <a:prstDash val="solid"/>
+        </a:ln>
+      </a:lnStyleLst>
+      <a:effectStyleLst>
+        <a:effectStyle>
+          <a:effectLst>
+            <a:outerShdw blurRad="40000" dist="20000" dir="5400000" rotWithShape="0">
+              <a:srgbClr val="000000">
+                <a:alpha val="38000"/>
+              </a:srgbClr>
+            </a:outerShdw>
+          </a:effectLst>
+        </a:effectStyle>
+        <a:effectStyle>
+          <a:effectLst>
+            <a:outerShdw blurRad="40000" dist="23000" dir="5400000" rotWithShape="0">
+              <a:srgbClr val="000000">
+                <a:alpha val="35000"/>
+              </a:srgbClr>
+            </a:outerShdw>
+          </a:effectLst>
+        </a:effectStyle>
+        <a:effectStyle>
+          <a:effectLst>
+            <a:outerShdw blurRad="40000" dist="23000" dir="5400000" rotWithShape="0">
+              <a:srgbClr val="000000">
+                <a:alpha val="35000"/>
+              </a:srgbClr>
+            </a:outerShdw>
+          </a:effectLst>
+          <a:scene3d>
+            <a:camera prst="orthographicFront">
+              <a:rot lat="0" lon="0" rev="0"/>
+            </a:camera>
+            <a:lightRig rig="threePt" dir="t">
+              <a:rot lat="0" lon="0" rev="1200000"/>
+            </a:lightRig>
+          </a:scene3d>
+          <a:sp3d>
+            <a:bevelT w="63500" h="25400"/>
+          </a:sp3d>
+        </a:effectStyle>
+      </a:effectStyleLst>
+      <a:bgFillStyleLst>
+        <a:solidFill>
+          <a:schemeClr val="phClr"/>
+        </a:solidFill>
+        <a:gradFill rotWithShape="1">
+          <a:gsLst>
+            <a:gs pos="0">
+              <a:schemeClr val="phClr">
+                <a:tint val="40000"/>
+                <a:satMod val="350000"/>
+              </a:schemeClr>
+            </a:gs>
+            <a:gs pos="40000">
+              <a:schemeClr val="phClr">
+                <a:tint val="45000"/>
+                <a:shade val="99000"/>
+                <a:satMod val="350000"/>
+              </a:schemeClr>
+            </a:gs>
+            <a:gs pos="100000">
+              <a:schemeClr val="phClr">
+                <a:shade val="20000"/>
+                <a:satMod val="255000"/>
+              </a:schemeClr>
+            </a:gs>
+          </a:gsLst>
+          <a:path path="circle">
+            <a:fillToRect l="50000" t="-80000" r="50000" b="180000"/>
+          </a:path>
+        </a:gradFill>
+        <a:gradFill rotWithShape="1">
+          <a:gsLst>
+            <a:gs pos="0">
+              <a:schemeClr val="phClr">
+                <a:tint val="80000"/>
+                <a:satMod val="300000"/>
+              </a:schemeClr>
+            </a:gs>
+            <a:gs pos="100000">
+              <a:schemeClr val="phClr">
+                <a:shade val="30000"/>
+                <a:satMod val="200000"/>
+              </a:schemeClr>
+            </a:gs>
+          </a:gsLst>
+          <a:path path="circle">
+            <a:fillToRect l="50000" t="50000" r="50000" b="50000"/>
+          </a:path>
+        </a:gradFill>
+      </a:bgFillStyleLst>
+    </a:fmtScheme>
+  </a:themeElements>
+</a:theme>
+</file>
+
+<file path=ppt/theme/theme2.xml><?xml version="1.0" encoding="utf-8"?>
 <a:theme xmlns:a="http://schemas.openxmlformats.org/drawingml/2006/main" xmlns:r="http://schemas.openxmlformats.org/officeDocument/2006/relationships" name="Swiss">
   <a:themeElements>
     <a:clrScheme name="Swiss">
@@ -18891,283 +19216,4 @@
     </a:fmtScheme>
   </a:themeElements>
 </a:theme>
-</file>
-
-<file path=ppt/theme/theme2.xml><?xml version="1.0" encoding="utf-8"?>
-<a:theme xmlns:a="http://schemas.openxmlformats.org/drawingml/2006/main" xmlns:r="http://schemas.openxmlformats.org/officeDocument/2006/relationships">
-  <a:themeElements>
-    <a:clrScheme name="Default">
-      <a:dk1>
-        <a:srgbClr val="000000"/>
-      </a:dk1>
-      <a:lt1>
-        <a:srgbClr val="FFFFFF"/>
-      </a:lt1>
-      <a:dk2>
-        <a:srgbClr val="158158"/>
-      </a:dk2>
-      <a:lt2>
-        <a:srgbClr val="F3F3F3"/>
-      </a:lt2>
-      <a:accent1>
-        <a:srgbClr val="058DC7"/>
-      </a:accent1>
-      <a:accent2>
-        <a:srgbClr val="50B432"/>
-      </a:accent2>
-      <a:accent3>
-        <a:srgbClr val="ED561B"/>
-      </a:accent3>
-      <a:accent4>
-        <a:srgbClr val="EDEF00"/>
-      </a:accent4>
-      <a:accent5>
-        <a:srgbClr val="24CBE5"/>
-      </a:accent5>
-      <a:accent6>
-        <a:srgbClr val="64E572"/>
-      </a:accent6>
-      <a:hlink>
-        <a:srgbClr val="2200CC"/>
-      </a:hlink>
-      <a:folHlink>
-        <a:srgbClr val="551A8B"/>
-      </a:folHlink>
-    </a:clrScheme>
-    <a:fontScheme name="Office">
-      <a:majorFont>
-        <a:latin typeface="Arial"/>
-        <a:ea typeface=""/>
-        <a:cs typeface=""/>
-        <a:font script="Jpan" typeface="ＭＳ Ｐゴシック"/>
-        <a:font script="Hang" typeface="맑은 고딕"/>
-        <a:font script="Hans" typeface="宋体"/>
-        <a:font script="Hant" typeface="新細明體"/>
-        <a:font script="Arab" typeface="Times New Roman"/>
-        <a:font script="Hebr" typeface="Times New Roman"/>
-        <a:font script="Thai" typeface="Angsana New"/>
-        <a:font script="Ethi" typeface="Nyala"/>
-        <a:font script="Beng" typeface="Vrinda"/>
-        <a:font script="Gujr" typeface="Shruti"/>
-        <a:font script="Khmr" typeface="MoolBoran"/>
-        <a:font script="Knda" typeface="Tunga"/>
-        <a:font script="Guru" typeface="Raavi"/>
-        <a:font script="Cans" typeface="Euphemia"/>
-        <a:font script="Cher" typeface="Plantagenet Cherokee"/>
-        <a:font script="Yiii" typeface="Microsoft Yi Baiti"/>
-        <a:font script="Tibt" typeface="Microsoft Himalaya"/>
-        <a:font script="Thaa" typeface="MV Boli"/>
-        <a:font script="Deva" typeface="Mangal"/>
-        <a:font script="Telu" typeface="Gautami"/>
-        <a:font script="Taml" typeface="Latha"/>
-        <a:font script="Syrc" typeface="Estrangelo Edessa"/>
-        <a:font script="Orya" typeface="Kalinga"/>
-        <a:font script="Mlym" typeface="Kartika"/>
-        <a:font script="Laoo" typeface="DokChampa"/>
-        <a:font script="Sinh" typeface="Iskoola Pota"/>
-        <a:font script="Mong" typeface="Mongolian Baiti"/>
-        <a:font script="Viet" typeface="Times New Roman"/>
-        <a:font script="Uigh" typeface="Microsoft Uighur"/>
-        <a:font script="Geor" typeface="Sylfaen"/>
-      </a:majorFont>
-      <a:minorFont>
-        <a:latin typeface="Arial"/>
-        <a:ea typeface=""/>
-        <a:cs typeface=""/>
-        <a:font script="Jpan" typeface="ＭＳ Ｐゴシック"/>
-        <a:font script="Hang" typeface="맑은 고딕"/>
-        <a:font script="Hans" typeface="宋体"/>
-        <a:font script="Hant" typeface="新細明體"/>
-        <a:font script="Arab" typeface="Arial"/>
-        <a:font script="Hebr" typeface="Arial"/>
-        <a:font script="Thai" typeface="Cordia New"/>
-        <a:font script="Ethi" typeface="Nyala"/>
-        <a:font script="Beng" typeface="Vrinda"/>
-        <a:font script="Gujr" typeface="Shruti"/>
-        <a:font script="Khmr" typeface="DaunPenh"/>
-        <a:font script="Knda" typeface="Tunga"/>
-        <a:font script="Guru" typeface="Raavi"/>
-        <a:font script="Cans" typeface="Euphemia"/>
-        <a:font script="Cher" typeface="Plantagenet Cherokee"/>
-        <a:font script="Yiii" typeface="Microsoft Yi Baiti"/>
-        <a:font script="Tibt" typeface="Microsoft Himalaya"/>
-        <a:font script="Thaa" typeface="MV Boli"/>
-        <a:font script="Deva" typeface="Mangal"/>
-        <a:font script="Telu" typeface="Gautami"/>
-        <a:font script="Taml" typeface="Latha"/>
-        <a:font script="Syrc" typeface="Estrangelo Edessa"/>
-        <a:font script="Orya" typeface="Kalinga"/>
-        <a:font script="Mlym" typeface="Kartika"/>
-        <a:font script="Laoo" typeface="DokChampa"/>
-        <a:font script="Sinh" typeface="Iskoola Pota"/>
-        <a:font script="Mong" typeface="Mongolian Baiti"/>
-        <a:font script="Viet" typeface="Arial"/>
-        <a:font script="Uigh" typeface="Microsoft Uighur"/>
-        <a:font script="Geor" typeface="Sylfaen"/>
-      </a:minorFont>
-    </a:fontScheme>
-    <a:fmtScheme name="Office">
-      <a:fillStyleLst>
-        <a:solidFill>
-          <a:schemeClr val="phClr"/>
-        </a:solidFill>
-        <a:gradFill rotWithShape="1">
-          <a:gsLst>
-            <a:gs pos="0">
-              <a:schemeClr val="phClr">
-                <a:tint val="50000"/>
-                <a:satMod val="300000"/>
-              </a:schemeClr>
-            </a:gs>
-            <a:gs pos="35000">
-              <a:schemeClr val="phClr">
-                <a:tint val="37000"/>
-                <a:satMod val="300000"/>
-              </a:schemeClr>
-            </a:gs>
-            <a:gs pos="100000">
-              <a:schemeClr val="phClr">
-                <a:tint val="15000"/>
-                <a:satMod val="350000"/>
-              </a:schemeClr>
-            </a:gs>
-          </a:gsLst>
-          <a:lin ang="16200000" scaled="1"/>
-        </a:gradFill>
-        <a:gradFill rotWithShape="1">
-          <a:gsLst>
-            <a:gs pos="0">
-              <a:schemeClr val="phClr">
-                <a:tint val="100000"/>
-                <a:shade val="100000"/>
-                <a:satMod val="130000"/>
-              </a:schemeClr>
-            </a:gs>
-            <a:gs pos="100000">
-              <a:schemeClr val="phClr">
-                <a:tint val="50000"/>
-                <a:shade val="100000"/>
-                <a:satMod val="350000"/>
-              </a:schemeClr>
-            </a:gs>
-          </a:gsLst>
-          <a:lin ang="16200000" scaled="0"/>
-        </a:gradFill>
-      </a:fillStyleLst>
-      <a:lnStyleLst>
-        <a:ln w="9525" cap="flat" cmpd="sng" algn="ctr">
-          <a:solidFill>
-            <a:schemeClr val="phClr">
-              <a:shade val="95000"/>
-              <a:satMod val="105000"/>
-            </a:schemeClr>
-          </a:solidFill>
-          <a:prstDash val="solid"/>
-        </a:ln>
-        <a:ln w="25400" cap="flat" cmpd="sng" algn="ctr">
-          <a:solidFill>
-            <a:schemeClr val="phClr"/>
-          </a:solidFill>
-          <a:prstDash val="solid"/>
-        </a:ln>
-        <a:ln w="38100" cap="flat" cmpd="sng" algn="ctr">
-          <a:solidFill>
-            <a:schemeClr val="phClr"/>
-          </a:solidFill>
-          <a:prstDash val="solid"/>
-        </a:ln>
-      </a:lnStyleLst>
-      <a:effectStyleLst>
-        <a:effectStyle>
-          <a:effectLst>
-            <a:outerShdw blurRad="40000" dist="20000" dir="5400000" rotWithShape="0">
-              <a:srgbClr val="000000">
-                <a:alpha val="38000"/>
-              </a:srgbClr>
-            </a:outerShdw>
-          </a:effectLst>
-        </a:effectStyle>
-        <a:effectStyle>
-          <a:effectLst>
-            <a:outerShdw blurRad="40000" dist="23000" dir="5400000" rotWithShape="0">
-              <a:srgbClr val="000000">
-                <a:alpha val="35000"/>
-              </a:srgbClr>
-            </a:outerShdw>
-          </a:effectLst>
-        </a:effectStyle>
-        <a:effectStyle>
-          <a:effectLst>
-            <a:outerShdw blurRad="40000" dist="23000" dir="5400000" rotWithShape="0">
-              <a:srgbClr val="000000">
-                <a:alpha val="35000"/>
-              </a:srgbClr>
-            </a:outerShdw>
-          </a:effectLst>
-          <a:scene3d>
-            <a:camera prst="orthographicFront">
-              <a:rot lat="0" lon="0" rev="0"/>
-            </a:camera>
-            <a:lightRig rig="threePt" dir="t">
-              <a:rot lat="0" lon="0" rev="1200000"/>
-            </a:lightRig>
-          </a:scene3d>
-          <a:sp3d>
-            <a:bevelT w="63500" h="25400"/>
-          </a:sp3d>
-        </a:effectStyle>
-      </a:effectStyleLst>
-      <a:bgFillStyleLst>
-        <a:solidFill>
-          <a:schemeClr val="phClr"/>
-        </a:solidFill>
-        <a:gradFill rotWithShape="1">
-          <a:gsLst>
-            <a:gs pos="0">
-              <a:schemeClr val="phClr">
-                <a:tint val="40000"/>
-                <a:satMod val="350000"/>
-              </a:schemeClr>
-            </a:gs>
-            <a:gs pos="40000">
-              <a:schemeClr val="phClr">
-                <a:tint val="45000"/>
-                <a:shade val="99000"/>
-                <a:satMod val="350000"/>
-              </a:schemeClr>
-            </a:gs>
-            <a:gs pos="100000">
-              <a:schemeClr val="phClr">
-                <a:shade val="20000"/>
-                <a:satMod val="255000"/>
-              </a:schemeClr>
-            </a:gs>
-          </a:gsLst>
-          <a:path path="circle">
-            <a:fillToRect l="50000" t="-80000" r="50000" b="180000"/>
-          </a:path>
-        </a:gradFill>
-        <a:gradFill rotWithShape="1">
-          <a:gsLst>
-            <a:gs pos="0">
-              <a:schemeClr val="phClr">
-                <a:tint val="80000"/>
-                <a:satMod val="300000"/>
-              </a:schemeClr>
-            </a:gs>
-            <a:gs pos="100000">
-              <a:schemeClr val="phClr">
-                <a:shade val="30000"/>
-                <a:satMod val="200000"/>
-              </a:schemeClr>
-            </a:gs>
-          </a:gsLst>
-          <a:path path="circle">
-            <a:fillToRect l="50000" t="50000" r="50000" b="50000"/>
-          </a:path>
-        </a:gradFill>
-      </a:bgFillStyleLst>
-    </a:fmtScheme>
-  </a:themeElements>
-</a:theme>
 </file>
--- a/Presentation/SMAI Project.pptx
+++ b/Presentation/SMAI Project.pptx
@@ -13260,7 +13260,7 @@
             <a:tbl>
               <a:tblPr>
                 <a:noFill/>
-                <a:tableStyleId>{6D2D11AF-3B08-4548-B0FB-F2E92057B7CD}</a:tableStyleId>
+                <a:tableStyleId>{7B399FA8-DB24-45C0-86CF-FD25868C163E}</a:tableStyleId>
               </a:tblPr>
               <a:tblGrid>
                 <a:gridCol w="1856175"/>
@@ -15072,7 +15072,7 @@
             <a:tbl>
               <a:tblPr>
                 <a:noFill/>
-                <a:tableStyleId>{6D2D11AF-3B08-4548-B0FB-F2E92057B7CD}</a:tableStyleId>
+                <a:tableStyleId>{7B399FA8-DB24-45C0-86CF-FD25868C163E}</a:tableStyleId>
               </a:tblPr>
               <a:tblGrid>
                 <a:gridCol w="2413000"/>
@@ -17389,43 +17389,6 @@
                 <a:sym typeface="Lora"/>
               </a:rPr>
               <a:t>Cons:</a:t>
-            </a:r>
-            <a:endParaRPr b="1">
-              <a:solidFill>
-                <a:srgbClr val="F1F0F0"/>
-              </a:solidFill>
-              <a:latin typeface="Lora"/>
-              <a:ea typeface="Lora"/>
-              <a:cs typeface="Lora"/>
-              <a:sym typeface="Lora"/>
-            </a:endParaRPr>
-          </a:p>
-          <a:p>
-            <a:pPr indent="-317500" lvl="0" marL="457200" rtl="0">
-              <a:spcBef>
-                <a:spcPts val="0"/>
-              </a:spcBef>
-              <a:spcAft>
-                <a:spcPts val="0"/>
-              </a:spcAft>
-              <a:buClr>
-                <a:srgbClr val="F1F0F0"/>
-              </a:buClr>
-              <a:buSzPts val="1400"/>
-              <a:buFont typeface="Lora"/>
-              <a:buAutoNum type="alphaLcParenR"/>
-            </a:pPr>
-            <a:r>
-              <a:rPr b="1" lang="en">
-                <a:solidFill>
-                  <a:srgbClr val="F1F0F0"/>
-                </a:solidFill>
-                <a:latin typeface="Lora"/>
-                <a:ea typeface="Lora"/>
-                <a:cs typeface="Lora"/>
-                <a:sym typeface="Lora"/>
-              </a:rPr>
-              <a:t>Vanishing gradient problem</a:t>
             </a:r>
             <a:endParaRPr b="1">
               <a:solidFill>
